--- a/Lectures/9. JavaScript/Advanced-JavaScript.pptx
+++ b/Lectures/9. JavaScript/Advanced-JavaScript.pptx
@@ -274,7 +274,7 @@
             <a:fld id="{3BF7C7B5-275F-4D1F-9AB4-9255447DBC73}" type="datetimeFigureOut">
               <a:rPr lang="en-US"/>
               <a:pPr/>
-              <a:t>2011-07-04</a:t>
+              <a:t>21-Nov-11</a:t>
             </a:fld>
             <a:endParaRPr lang="en-US" dirty="0"/>
           </a:p>
@@ -505,7 +505,7 @@
             <a:fld id="{9B46F231-FB2B-4655-A644-E2477325E686}" type="datetimeFigureOut">
               <a:rPr lang="en-US"/>
               <a:pPr/>
-              <a:t>2011-07-04</a:t>
+              <a:t>21-Nov-11</a:t>
             </a:fld>
             <a:endParaRPr lang="en-US" dirty="0"/>
           </a:p>
@@ -10870,7 +10870,7 @@
           <a:p>
             <a:r>
               <a:rPr lang="en-US" dirty="0" smtClean="0"/>
-              <a:t>Exercises</a:t>
+              <a:t>Homework</a:t>
             </a:r>
             <a:endParaRPr lang="en-US" dirty="0"/>
           </a:p>
@@ -10896,10 +10896,12 @@
           <a:bodyPr/>
           <a:lstStyle/>
           <a:p>
-            <a:pPr>
+            <a:pPr marL="514350" indent="-514350">
               <a:lnSpc>
                 <a:spcPct val="90000"/>
               </a:lnSpc>
+              <a:buFont typeface="+mj-lt"/>
+              <a:buAutoNum type="arabicPeriod" startAt="7"/>
             </a:pPr>
             <a:r>
               <a:rPr lang="en-US" sz="2800" dirty="0" smtClean="0"/>
@@ -11034,10 +11036,12 @@
             </a:r>
           </a:p>
           <a:p>
-            <a:pPr>
+            <a:pPr marL="514350" indent="-514350">
               <a:lnSpc>
                 <a:spcPct val="90000"/>
               </a:lnSpc>
+              <a:buFont typeface="+mj-lt"/>
+              <a:buAutoNum type="arabicPeriod" startAt="8"/>
             </a:pPr>
             <a:r>
               <a:rPr lang="en-US" sz="2800" dirty="0" smtClean="0"/>
